--- a/발표용.pptx
+++ b/발표용.pptx
@@ -291,7 +291,7 @@
           <a:p>
             <a:fld id="{CF5A1D1F-1FE7-4758-92BA-326C91B6C2E0}" type="datetimeFigureOut">
               <a:rPr lang="ko-KR" altLang="en-US" smtClean="0"/>
-              <a:t>2022-11-15</a:t>
+              <a:t>2022-11-17</a:t>
             </a:fld>
             <a:endParaRPr lang="ko-KR" altLang="en-US"/>
           </a:p>
@@ -489,7 +489,7 @@
           <a:p>
             <a:fld id="{CF5A1D1F-1FE7-4758-92BA-326C91B6C2E0}" type="datetimeFigureOut">
               <a:rPr lang="ko-KR" altLang="en-US" smtClean="0"/>
-              <a:t>2022-11-15</a:t>
+              <a:t>2022-11-17</a:t>
             </a:fld>
             <a:endParaRPr lang="ko-KR" altLang="en-US"/>
           </a:p>
@@ -697,7 +697,7 @@
           <a:p>
             <a:fld id="{CF5A1D1F-1FE7-4758-92BA-326C91B6C2E0}" type="datetimeFigureOut">
               <a:rPr lang="ko-KR" altLang="en-US" smtClean="0"/>
-              <a:t>2022-11-15</a:t>
+              <a:t>2022-11-17</a:t>
             </a:fld>
             <a:endParaRPr lang="ko-KR" altLang="en-US"/>
           </a:p>
@@ -895,7 +895,7 @@
           <a:p>
             <a:fld id="{CF5A1D1F-1FE7-4758-92BA-326C91B6C2E0}" type="datetimeFigureOut">
               <a:rPr lang="ko-KR" altLang="en-US" smtClean="0"/>
-              <a:t>2022-11-15</a:t>
+              <a:t>2022-11-17</a:t>
             </a:fld>
             <a:endParaRPr lang="ko-KR" altLang="en-US"/>
           </a:p>
@@ -1170,7 +1170,7 @@
           <a:p>
             <a:fld id="{CF5A1D1F-1FE7-4758-92BA-326C91B6C2E0}" type="datetimeFigureOut">
               <a:rPr lang="ko-KR" altLang="en-US" smtClean="0"/>
-              <a:t>2022-11-15</a:t>
+              <a:t>2022-11-17</a:t>
             </a:fld>
             <a:endParaRPr lang="ko-KR" altLang="en-US"/>
           </a:p>
@@ -1435,7 +1435,7 @@
           <a:p>
             <a:fld id="{CF5A1D1F-1FE7-4758-92BA-326C91B6C2E0}" type="datetimeFigureOut">
               <a:rPr lang="ko-KR" altLang="en-US" smtClean="0"/>
-              <a:t>2022-11-15</a:t>
+              <a:t>2022-11-17</a:t>
             </a:fld>
             <a:endParaRPr lang="ko-KR" altLang="en-US"/>
           </a:p>
@@ -1847,7 +1847,7 @@
           <a:p>
             <a:fld id="{CF5A1D1F-1FE7-4758-92BA-326C91B6C2E0}" type="datetimeFigureOut">
               <a:rPr lang="ko-KR" altLang="en-US" smtClean="0"/>
-              <a:t>2022-11-15</a:t>
+              <a:t>2022-11-17</a:t>
             </a:fld>
             <a:endParaRPr lang="ko-KR" altLang="en-US"/>
           </a:p>
@@ -1988,7 +1988,7 @@
           <a:p>
             <a:fld id="{CF5A1D1F-1FE7-4758-92BA-326C91B6C2E0}" type="datetimeFigureOut">
               <a:rPr lang="ko-KR" altLang="en-US" smtClean="0"/>
-              <a:t>2022-11-15</a:t>
+              <a:t>2022-11-17</a:t>
             </a:fld>
             <a:endParaRPr lang="ko-KR" altLang="en-US"/>
           </a:p>
@@ -2101,7 +2101,7 @@
           <a:p>
             <a:fld id="{CF5A1D1F-1FE7-4758-92BA-326C91B6C2E0}" type="datetimeFigureOut">
               <a:rPr lang="ko-KR" altLang="en-US" smtClean="0"/>
-              <a:t>2022-11-15</a:t>
+              <a:t>2022-11-17</a:t>
             </a:fld>
             <a:endParaRPr lang="ko-KR" altLang="en-US"/>
           </a:p>
@@ -2412,7 +2412,7 @@
           <a:p>
             <a:fld id="{CF5A1D1F-1FE7-4758-92BA-326C91B6C2E0}" type="datetimeFigureOut">
               <a:rPr lang="ko-KR" altLang="en-US" smtClean="0"/>
-              <a:t>2022-11-15</a:t>
+              <a:t>2022-11-17</a:t>
             </a:fld>
             <a:endParaRPr lang="ko-KR" altLang="en-US"/>
           </a:p>
@@ -2700,7 +2700,7 @@
           <a:p>
             <a:fld id="{CF5A1D1F-1FE7-4758-92BA-326C91B6C2E0}" type="datetimeFigureOut">
               <a:rPr lang="ko-KR" altLang="en-US" smtClean="0"/>
-              <a:t>2022-11-15</a:t>
+              <a:t>2022-11-17</a:t>
             </a:fld>
             <a:endParaRPr lang="ko-KR" altLang="en-US"/>
           </a:p>
@@ -3048,7 +3048,7 @@
           <a:p>
             <a:fld id="{CF5A1D1F-1FE7-4758-92BA-326C91B6C2E0}" type="datetimeFigureOut">
               <a:rPr lang="ko-KR" altLang="en-US" smtClean="0"/>
-              <a:t>2022-11-15</a:t>
+              <a:t>2022-11-17</a:t>
             </a:fld>
             <a:endParaRPr lang="ko-KR" altLang="en-US" dirty="0"/>
           </a:p>
